--- a/presentations/Pandas_introduction.pptx
+++ b/presentations/Pandas_introduction.pptx
@@ -6,10 +6,10 @@
     <p:sldMasterId id="2147483921" r:id="rId2"/>
   </p:sldMasterIdLst>
   <p:notesMasterIdLst>
-    <p:notesMasterId r:id="rId10"/>
+    <p:notesMasterId r:id="rId11"/>
   </p:notesMasterIdLst>
   <p:handoutMasterIdLst>
-    <p:handoutMasterId r:id="rId11"/>
+    <p:handoutMasterId r:id="rId12"/>
   </p:handoutMasterIdLst>
   <p:sldIdLst>
     <p:sldId id="903" r:id="rId3"/>
@@ -18,7 +18,8 @@
     <p:sldId id="949" r:id="rId6"/>
     <p:sldId id="950" r:id="rId7"/>
     <p:sldId id="951" r:id="rId8"/>
-    <p:sldId id="913" r:id="rId9"/>
+    <p:sldId id="952" r:id="rId9"/>
+    <p:sldId id="913" r:id="rId10"/>
   </p:sldIdLst>
   <p:sldSz cx="9144000" cy="6858000" type="screen4x3"/>
   <p:notesSz cx="7099300" cy="10234613"/>
@@ -1710,6 +1711,96 @@
       </p:grpSpPr>
       <p:sp>
         <p:nvSpPr>
+          <p:cNvPr id="2" name="1 Marcador de imagen de diapositiva"/>
+          <p:cNvSpPr>
+            <a:spLocks noGrp="1" noRot="1" noChangeAspect="1"/>
+          </p:cNvSpPr>
+          <p:nvPr>
+            <p:ph type="sldImg"/>
+          </p:nvPr>
+        </p:nvSpPr>
+        <p:spPr/>
+      </p:sp>
+      <p:sp>
+        <p:nvSpPr>
+          <p:cNvPr id="3" name="2 Marcador de notas"/>
+          <p:cNvSpPr>
+            <a:spLocks noGrp="1"/>
+          </p:cNvSpPr>
+          <p:nvPr>
+            <p:ph type="body" idx="1"/>
+          </p:nvPr>
+        </p:nvSpPr>
+        <p:spPr/>
+        <p:txBody>
+          <a:bodyPr/>
+          <a:lstStyle/>
+          <a:p>
+            <a:endParaRPr lang="es-ES" dirty="0"/>
+          </a:p>
+        </p:txBody>
+      </p:sp>
+      <p:sp>
+        <p:nvSpPr>
+          <p:cNvPr id="4" name="3 Marcador de número de diapositiva"/>
+          <p:cNvSpPr>
+            <a:spLocks noGrp="1"/>
+          </p:cNvSpPr>
+          <p:nvPr>
+            <p:ph type="sldNum" sz="quarter" idx="10"/>
+          </p:nvPr>
+        </p:nvSpPr>
+        <p:spPr/>
+        <p:txBody>
+          <a:bodyPr/>
+          <a:lstStyle/>
+          <a:p>
+            <a:pPr>
+              <a:defRPr/>
+            </a:pPr>
+            <a:fld id="{7CF6D8CB-721C-4448-8F62-F7AB2027A45A}" type="slidenum">
+              <a:rPr lang="es-ES" smtClean="0"/>
+              <a:pPr>
+                <a:defRPr/>
+              </a:pPr>
+              <a:t>7</a:t>
+            </a:fld>
+            <a:endParaRPr lang="es-ES"/>
+          </a:p>
+        </p:txBody>
+      </p:sp>
+    </p:spTree>
+    <p:extLst>
+      <p:ext uri="{BB962C8B-B14F-4D97-AF65-F5344CB8AC3E}">
+        <p14:creationId xmlns:p14="http://schemas.microsoft.com/office/powerpoint/2010/main" val="1239465617"/>
+      </p:ext>
+    </p:extLst>
+  </p:cSld>
+  <p:clrMapOvr>
+    <a:masterClrMapping/>
+  </p:clrMapOvr>
+</p:notes>
+</file>
+
+<file path=ppt/notesSlides/notesSlide8.xml><?xml version="1.0" encoding="utf-8"?>
+<p:notes xmlns:a="http://schemas.openxmlformats.org/drawingml/2006/main" xmlns:r="http://schemas.openxmlformats.org/officeDocument/2006/relationships" xmlns:p="http://schemas.openxmlformats.org/presentationml/2006/main">
+  <p:cSld>
+    <p:spTree>
+      <p:nvGrpSpPr>
+        <p:cNvPr id="1" name=""/>
+        <p:cNvGrpSpPr/>
+        <p:nvPr/>
+      </p:nvGrpSpPr>
+      <p:grpSpPr>
+        <a:xfrm>
+          <a:off x="0" y="0"/>
+          <a:ext cx="0" cy="0"/>
+          <a:chOff x="0" y="0"/>
+          <a:chExt cx="0" cy="0"/>
+        </a:xfrm>
+      </p:grpSpPr>
+      <p:sp>
+        <p:nvSpPr>
           <p:cNvPr id="27650" name="1 Marcador de imagen de diapositiva"/>
           <p:cNvSpPr>
             <a:spLocks noGrp="1" noRot="1" noChangeAspect="1" noTextEdit="1"/>
@@ -1893,7 +1984,7 @@
                 <a:latin typeface="Calibri" pitchFamily="34" charset="0"/>
               </a:rPr>
               <a:pPr eaLnBrk="1" hangingPunct="1"/>
-              <a:t>7</a:t>
+              <a:t>8</a:t>
             </a:fld>
             <a:endParaRPr lang="es-ES" dirty="0" smtClean="0">
               <a:latin typeface="Calibri" pitchFamily="34" charset="0"/>
@@ -11558,8 +11649,8 @@
         </p:nvSpPr>
         <p:spPr>
           <a:xfrm>
-            <a:off x="2337859" y="3933918"/>
-            <a:ext cx="6912768" cy="369332"/>
+            <a:off x="2337859" y="3822281"/>
+            <a:ext cx="6912768" cy="646331"/>
           </a:xfrm>
           <a:prstGeom prst="rect">
             <a:avLst/>
@@ -11576,10 +11667,23 @@
               <a:buChar char="•"/>
             </a:pPr>
             <a:r>
-              <a:rPr lang="es-ES" dirty="0" err="1">
+              <a:rPr lang="es-ES" dirty="0" err="1" smtClean="0">
                 <a:hlinkClick r:id="rId4"/>
               </a:rPr>
               <a:t>pandas_introduction.ipynb</a:t>
+            </a:r>
+            <a:endParaRPr lang="es-ES" dirty="0" smtClean="0"/>
+          </a:p>
+          <a:p>
+            <a:pPr marL="285750" indent="-285750">
+              <a:buFont typeface="Arial" panose="020B0604020202020204" pitchFamily="34" charset="0"/>
+              <a:buChar char="•"/>
+            </a:pPr>
+            <a:r>
+              <a:rPr lang="es-ES" dirty="0" err="1">
+                <a:hlinkClick r:id="rId5"/>
+              </a:rPr>
+              <a:t>pandas_and_scikit_learn_introduction.ipynb</a:t>
             </a:r>
             <a:endParaRPr lang="es-ES" dirty="0" smtClean="0"/>
           </a:p>
@@ -11594,7 +11698,7 @@
           <p:nvPr/>
         </p:nvPicPr>
         <p:blipFill>
-          <a:blip r:embed="rId5"/>
+          <a:blip r:embed="rId6"/>
           <a:stretch>
             <a:fillRect/>
           </a:stretch>
@@ -11617,8 +11721,8 @@
         </p:nvSpPr>
         <p:spPr>
           <a:xfrm>
-            <a:off x="2337859" y="5205254"/>
-            <a:ext cx="5797152" cy="369332"/>
+            <a:off x="2337859" y="5118070"/>
+            <a:ext cx="5797152" cy="646331"/>
           </a:xfrm>
           <a:prstGeom prst="rect">
             <a:avLst/>
@@ -11635,10 +11739,23 @@
               <a:buChar char="•"/>
             </a:pPr>
             <a:r>
-              <a:rPr lang="es-ES" dirty="0" err="1">
-                <a:hlinkClick r:id="rId6"/>
+              <a:rPr lang="es-ES" dirty="0" err="1" smtClean="0">
+                <a:hlinkClick r:id="rId7"/>
               </a:rPr>
               <a:t>pandas_introduction.ipynb</a:t>
+            </a:r>
+            <a:endParaRPr lang="es-ES" dirty="0" smtClean="0"/>
+          </a:p>
+          <a:p>
+            <a:pPr marL="285750" indent="-285750">
+              <a:buFont typeface="Arial" panose="020B0604020202020204" pitchFamily="34" charset="0"/>
+              <a:buChar char="•"/>
+            </a:pPr>
+            <a:r>
+              <a:rPr lang="es-ES" dirty="0" err="1">
+                <a:hlinkClick r:id="rId5"/>
+              </a:rPr>
+              <a:t>pandas_and_scikit_learn_introduction.ipynb</a:t>
             </a:r>
             <a:endParaRPr lang="es-ES" dirty="0"/>
           </a:p>
@@ -11740,8 +11857,8 @@
         </p:nvSpPr>
         <p:spPr>
           <a:xfrm>
-            <a:off x="1357054" y="2656102"/>
-            <a:ext cx="5040560" cy="461665"/>
+            <a:off x="1404663" y="2384284"/>
+            <a:ext cx="5975650" cy="830997"/>
           </a:xfrm>
           <a:prstGeom prst="rect">
             <a:avLst/>
@@ -11768,7 +11885,65 @@
                   <a:schemeClr val="bg1"/>
                 </a:solidFill>
               </a:rPr>
-              <a:t> to pandas</a:t>
+              <a:t> to pandas </a:t>
+            </a:r>
+          </a:p>
+          <a:p>
+            <a:r>
+              <a:rPr lang="es-ES" sz="2400" dirty="0" err="1" smtClean="0">
+                <a:solidFill>
+                  <a:schemeClr val="bg1"/>
+                </a:solidFill>
+              </a:rPr>
+              <a:t>Minimal</a:t>
+            </a:r>
+            <a:r>
+              <a:rPr lang="es-ES" sz="2400" dirty="0" smtClean="0">
+                <a:solidFill>
+                  <a:schemeClr val="bg1"/>
+                </a:solidFill>
+              </a:rPr>
+              <a:t> </a:t>
+            </a:r>
+            <a:r>
+              <a:rPr lang="es-ES" sz="2400" dirty="0" err="1" smtClean="0">
+                <a:solidFill>
+                  <a:schemeClr val="bg1"/>
+                </a:solidFill>
+              </a:rPr>
+              <a:t>example</a:t>
+            </a:r>
+            <a:r>
+              <a:rPr lang="es-ES" sz="2400" dirty="0" smtClean="0">
+                <a:solidFill>
+                  <a:schemeClr val="bg1"/>
+                </a:solidFill>
+              </a:rPr>
+              <a:t> </a:t>
+            </a:r>
+            <a:r>
+              <a:rPr lang="es-ES" sz="2400" dirty="0" err="1" smtClean="0">
+                <a:solidFill>
+                  <a:schemeClr val="bg1"/>
+                </a:solidFill>
+              </a:rPr>
+              <a:t>with</a:t>
+            </a:r>
+            <a:r>
+              <a:rPr lang="es-ES" sz="2400" dirty="0" smtClean="0">
+                <a:solidFill>
+                  <a:schemeClr val="bg1"/>
+                </a:solidFill>
+              </a:rPr>
+              <a:t> pandas and </a:t>
+            </a:r>
+            <a:r>
+              <a:rPr lang="es-ES" sz="2400" dirty="0" err="1" smtClean="0">
+                <a:solidFill>
+                  <a:schemeClr val="bg1"/>
+                </a:solidFill>
+              </a:rPr>
+              <a:t>scikit-learn</a:t>
             </a:r>
             <a:endParaRPr lang="en-GB" sz="2400" dirty="0">
               <a:solidFill>
@@ -11787,7 +11962,7 @@
           <p:nvPr/>
         </p:nvPicPr>
         <p:blipFill>
-          <a:blip r:embed="rId7" cstate="print">
+          <a:blip r:embed="rId8" cstate="print">
             <a:extLst>
               <a:ext uri="{28A0092B-C50C-407E-A947-70E740481C1C}">
                 <a14:useLocalDpi xmlns:a14="http://schemas.microsoft.com/office/drawing/2010/main" val="0"/>
@@ -11800,8 +11975,38 @@
         </p:blipFill>
         <p:spPr>
           <a:xfrm>
-            <a:off x="7690962" y="1297775"/>
-            <a:ext cx="1453038" cy="1937384"/>
+            <a:off x="7956135" y="1375730"/>
+            <a:ext cx="1220377" cy="1627169"/>
+          </a:xfrm>
+          <a:prstGeom prst="rect">
+            <a:avLst/>
+          </a:prstGeom>
+        </p:spPr>
+      </p:pic>
+      <p:pic>
+        <p:nvPicPr>
+          <p:cNvPr id="12" name="Imagen 11"/>
+          <p:cNvPicPr>
+            <a:picLocks noChangeAspect="1"/>
+          </p:cNvPicPr>
+          <p:nvPr/>
+        </p:nvPicPr>
+        <p:blipFill>
+          <a:blip r:embed="rId9" cstate="print">
+            <a:extLst>
+              <a:ext uri="{28A0092B-C50C-407E-A947-70E740481C1C}">
+                <a14:useLocalDpi xmlns:a14="http://schemas.microsoft.com/office/drawing/2010/main" val="0"/>
+              </a:ext>
+            </a:extLst>
+          </a:blip>
+          <a:stretch>
+            <a:fillRect/>
+          </a:stretch>
+        </p:blipFill>
+        <p:spPr>
+          <a:xfrm>
+            <a:off x="5773149" y="1594443"/>
+            <a:ext cx="2041721" cy="1099127"/>
           </a:xfrm>
           <a:prstGeom prst="rect">
             <a:avLst/>
@@ -14841,7 +15046,6 @@
               <a:rPr lang="en-GB" sz="1200" b="1" dirty="0"/>
               <a:t>‘first’ by default</a:t>
             </a:r>
-            <a:endParaRPr lang="en-GB" sz="1200" b="1" dirty="0"/>
           </a:p>
         </p:txBody>
       </p:sp>
@@ -16399,25 +16603,7 @@
                 </a:solidFill>
                 <a:latin typeface="Courier New" panose="02070309020205020404" pitchFamily="49" charset="0"/>
               </a:rPr>
-              <a:t>["index1</a:t>
-            </a:r>
-            <a:r>
-              <a:rPr lang="es-ES" sz="1200" dirty="0">
-                <a:solidFill>
-                  <a:srgbClr val="000000"/>
-                </a:solidFill>
-                <a:latin typeface="Courier New" panose="02070309020205020404" pitchFamily="49" charset="0"/>
-              </a:rPr>
-              <a:t>":"</a:t>
-            </a:r>
-            <a:r>
-              <a:rPr lang="es-ES" sz="1200" dirty="0">
-                <a:solidFill>
-                  <a:srgbClr val="000000"/>
-                </a:solidFill>
-                <a:latin typeface="Courier New" panose="02070309020205020404" pitchFamily="49" charset="0"/>
-              </a:rPr>
-              <a:t>index3</a:t>
+              <a:t>["index1":"index3</a:t>
             </a:r>
             <a:r>
               <a:rPr lang="es-ES" sz="1200" dirty="0" smtClean="0">
@@ -17212,6 +17398,500 @@
       </p:grpSpPr>
       <p:sp>
         <p:nvSpPr>
+          <p:cNvPr id="4" name="Título 3"/>
+          <p:cNvSpPr>
+            <a:spLocks noGrp="1"/>
+          </p:cNvSpPr>
+          <p:nvPr>
+            <p:ph type="title"/>
+          </p:nvPr>
+        </p:nvSpPr>
+        <p:spPr/>
+        <p:txBody>
+          <a:bodyPr/>
+          <a:lstStyle/>
+          <a:p>
+            <a:r>
+              <a:rPr lang="en-US" sz="2200" dirty="0"/>
+              <a:t>Minimal example using both </a:t>
+            </a:r>
+            <a:r>
+              <a:rPr lang="en-US" sz="2200" dirty="0" err="1"/>
+              <a:t>scikit</a:t>
+            </a:r>
+            <a:r>
+              <a:rPr lang="en-US" sz="2200" dirty="0"/>
+              <a:t>-learn and pandas for classification</a:t>
+            </a:r>
+            <a:endParaRPr lang="en-GB" sz="2200" dirty="0"/>
+          </a:p>
+        </p:txBody>
+      </p:sp>
+      <p:pic>
+        <p:nvPicPr>
+          <p:cNvPr id="2" name="Imagen 1"/>
+          <p:cNvPicPr>
+            <a:picLocks noChangeAspect="1"/>
+          </p:cNvPicPr>
+          <p:nvPr/>
+        </p:nvPicPr>
+        <p:blipFill>
+          <a:blip r:embed="rId3"/>
+          <a:stretch>
+            <a:fillRect/>
+          </a:stretch>
+        </p:blipFill>
+        <p:spPr>
+          <a:xfrm>
+            <a:off x="3119906" y="3260596"/>
+            <a:ext cx="2944182" cy="1266119"/>
+          </a:xfrm>
+          <a:prstGeom prst="rect">
+            <a:avLst/>
+          </a:prstGeom>
+        </p:spPr>
+      </p:pic>
+      <p:sp>
+        <p:nvSpPr>
+          <p:cNvPr id="3" name="Rectángulo 2"/>
+          <p:cNvSpPr/>
+          <p:nvPr/>
+        </p:nvSpPr>
+        <p:spPr>
+          <a:xfrm>
+            <a:off x="299899" y="1423330"/>
+            <a:ext cx="2018184" cy="1285590"/>
+          </a:xfrm>
+          <a:prstGeom prst="rect">
+            <a:avLst/>
+          </a:prstGeom>
+        </p:spPr>
+        <p:style>
+          <a:lnRef idx="2">
+            <a:schemeClr val="accent1">
+              <a:shade val="50000"/>
+            </a:schemeClr>
+          </a:lnRef>
+          <a:fillRef idx="1">
+            <a:schemeClr val="accent1"/>
+          </a:fillRef>
+          <a:effectRef idx="0">
+            <a:schemeClr val="accent1"/>
+          </a:effectRef>
+          <a:fontRef idx="minor">
+            <a:schemeClr val="lt1"/>
+          </a:fontRef>
+        </p:style>
+        <p:txBody>
+          <a:bodyPr rtlCol="0" anchor="ctr"/>
+          <a:lstStyle/>
+          <a:p>
+            <a:pPr algn="ctr"/>
+            <a:r>
+              <a:rPr lang="es-ES" dirty="0" err="1" smtClean="0"/>
+              <a:t>Import</a:t>
+            </a:r>
+            <a:r>
+              <a:rPr lang="es-ES" dirty="0" smtClean="0"/>
+              <a:t> </a:t>
+            </a:r>
+            <a:r>
+              <a:rPr lang="es-ES" dirty="0" err="1" smtClean="0"/>
+              <a:t>the</a:t>
+            </a:r>
+            <a:r>
+              <a:rPr lang="es-ES" dirty="0" smtClean="0"/>
+              <a:t> </a:t>
+            </a:r>
+            <a:r>
+              <a:rPr lang="es-ES" dirty="0" err="1" smtClean="0"/>
+              <a:t>dataset</a:t>
+            </a:r>
+            <a:r>
+              <a:rPr lang="es-ES" dirty="0" smtClean="0"/>
+              <a:t> </a:t>
+            </a:r>
+            <a:r>
+              <a:rPr lang="es-ES" dirty="0" err="1" smtClean="0"/>
+              <a:t>into</a:t>
+            </a:r>
+            <a:r>
+              <a:rPr lang="es-ES" dirty="0" smtClean="0"/>
+              <a:t> a </a:t>
+            </a:r>
+            <a:r>
+              <a:rPr lang="es-ES" dirty="0" err="1" smtClean="0"/>
+              <a:t>DataFrame</a:t>
+            </a:r>
+            <a:endParaRPr lang="es-ES" dirty="0"/>
+          </a:p>
+        </p:txBody>
+      </p:sp>
+      <p:sp>
+        <p:nvSpPr>
+          <p:cNvPr id="29" name="Rectángulo 28"/>
+          <p:cNvSpPr/>
+          <p:nvPr/>
+        </p:nvSpPr>
+        <p:spPr>
+          <a:xfrm>
+            <a:off x="3284002" y="1423330"/>
+            <a:ext cx="2376264" cy="1285590"/>
+          </a:xfrm>
+          <a:prstGeom prst="rect">
+            <a:avLst/>
+          </a:prstGeom>
+        </p:spPr>
+        <p:style>
+          <a:lnRef idx="2">
+            <a:schemeClr val="accent1">
+              <a:shade val="50000"/>
+            </a:schemeClr>
+          </a:lnRef>
+          <a:fillRef idx="1">
+            <a:schemeClr val="accent1"/>
+          </a:fillRef>
+          <a:effectRef idx="0">
+            <a:schemeClr val="accent1"/>
+          </a:effectRef>
+          <a:fontRef idx="minor">
+            <a:schemeClr val="lt1"/>
+          </a:fontRef>
+        </p:style>
+        <p:txBody>
+          <a:bodyPr rtlCol="0" anchor="ctr"/>
+          <a:lstStyle/>
+          <a:p>
+            <a:pPr algn="ctr"/>
+            <a:r>
+              <a:rPr lang="es-ES" sz="1600" dirty="0" smtClean="0"/>
+              <a:t>Explore </a:t>
+            </a:r>
+            <a:r>
+              <a:rPr lang="es-ES" sz="1600" dirty="0" err="1" smtClean="0"/>
+              <a:t>the</a:t>
+            </a:r>
+            <a:r>
+              <a:rPr lang="es-ES" sz="1600" dirty="0" smtClean="0"/>
+              <a:t> </a:t>
+            </a:r>
+            <a:r>
+              <a:rPr lang="es-ES" sz="1600" dirty="0" err="1" smtClean="0"/>
+              <a:t>DataFrame</a:t>
+            </a:r>
+            <a:r>
+              <a:rPr lang="es-ES" sz="1600" dirty="0" smtClean="0"/>
+              <a:t> (</a:t>
+            </a:r>
+            <a:r>
+              <a:rPr lang="es-ES" sz="1600" dirty="0" err="1" smtClean="0"/>
+              <a:t>e.g</a:t>
+            </a:r>
+            <a:r>
+              <a:rPr lang="es-ES" sz="1600" dirty="0" smtClean="0"/>
+              <a:t>. </a:t>
+            </a:r>
+            <a:r>
+              <a:rPr lang="es-ES" sz="1600" dirty="0" err="1" smtClean="0"/>
+              <a:t>duplicates</a:t>
+            </a:r>
+            <a:r>
+              <a:rPr lang="es-ES" sz="1600" dirty="0" smtClean="0"/>
+              <a:t>, </a:t>
+            </a:r>
+            <a:r>
+              <a:rPr lang="es-ES" sz="1600" dirty="0" err="1" smtClean="0"/>
+              <a:t>null</a:t>
+            </a:r>
+            <a:r>
+              <a:rPr lang="es-ES" sz="1600" dirty="0" smtClean="0"/>
+              <a:t> </a:t>
+            </a:r>
+            <a:r>
+              <a:rPr lang="es-ES" sz="1600" dirty="0" err="1" smtClean="0"/>
+              <a:t>values</a:t>
+            </a:r>
+            <a:r>
+              <a:rPr lang="es-ES" sz="1600" dirty="0" smtClean="0"/>
+              <a:t>, </a:t>
+            </a:r>
+            <a:r>
+              <a:rPr lang="es-ES" sz="1600" dirty="0" err="1" smtClean="0"/>
+              <a:t>number</a:t>
+            </a:r>
+            <a:r>
+              <a:rPr lang="es-ES" sz="1600" dirty="0" smtClean="0"/>
+              <a:t> of </a:t>
+            </a:r>
+            <a:r>
+              <a:rPr lang="es-ES" sz="1600" dirty="0" err="1" smtClean="0"/>
+              <a:t>instances</a:t>
+            </a:r>
+            <a:r>
+              <a:rPr lang="es-ES" sz="1600" dirty="0" smtClean="0"/>
+              <a:t> per </a:t>
+            </a:r>
+            <a:r>
+              <a:rPr lang="es-ES" sz="1600" dirty="0" err="1" smtClean="0"/>
+              <a:t>class</a:t>
+            </a:r>
+            <a:r>
+              <a:rPr lang="es-ES" sz="1600" dirty="0" smtClean="0"/>
+              <a:t>, ..)</a:t>
+            </a:r>
+            <a:endParaRPr lang="es-ES" sz="1600" dirty="0"/>
+          </a:p>
+        </p:txBody>
+      </p:sp>
+      <p:sp>
+        <p:nvSpPr>
+          <p:cNvPr id="5" name="Flecha derecha 4"/>
+          <p:cNvSpPr/>
+          <p:nvPr/>
+        </p:nvSpPr>
+        <p:spPr>
+          <a:xfrm>
+            <a:off x="2471834" y="1801737"/>
+            <a:ext cx="648072" cy="504056"/>
+          </a:xfrm>
+          <a:prstGeom prst="rightArrow">
+            <a:avLst/>
+          </a:prstGeom>
+        </p:spPr>
+        <p:style>
+          <a:lnRef idx="2">
+            <a:schemeClr val="accent1">
+              <a:shade val="50000"/>
+            </a:schemeClr>
+          </a:lnRef>
+          <a:fillRef idx="1">
+            <a:schemeClr val="accent1"/>
+          </a:fillRef>
+          <a:effectRef idx="0">
+            <a:schemeClr val="accent1"/>
+          </a:effectRef>
+          <a:fontRef idx="minor">
+            <a:schemeClr val="lt1"/>
+          </a:fontRef>
+        </p:style>
+        <p:txBody>
+          <a:bodyPr rtlCol="0" anchor="ctr"/>
+          <a:lstStyle/>
+          <a:p>
+            <a:pPr algn="ctr"/>
+            <a:endParaRPr lang="es-ES"/>
+          </a:p>
+        </p:txBody>
+      </p:sp>
+      <p:sp>
+        <p:nvSpPr>
+          <p:cNvPr id="33" name="Flecha derecha 32"/>
+          <p:cNvSpPr/>
+          <p:nvPr/>
+        </p:nvSpPr>
+        <p:spPr>
+          <a:xfrm>
+            <a:off x="5824362" y="1801737"/>
+            <a:ext cx="648072" cy="504056"/>
+          </a:xfrm>
+          <a:prstGeom prst="rightArrow">
+            <a:avLst/>
+          </a:prstGeom>
+        </p:spPr>
+        <p:style>
+          <a:lnRef idx="2">
+            <a:schemeClr val="accent1">
+              <a:shade val="50000"/>
+            </a:schemeClr>
+          </a:lnRef>
+          <a:fillRef idx="1">
+            <a:schemeClr val="accent1"/>
+          </a:fillRef>
+          <a:effectRef idx="0">
+            <a:schemeClr val="accent1"/>
+          </a:effectRef>
+          <a:fontRef idx="minor">
+            <a:schemeClr val="lt1"/>
+          </a:fontRef>
+        </p:style>
+        <p:txBody>
+          <a:bodyPr rtlCol="0" anchor="ctr"/>
+          <a:lstStyle/>
+          <a:p>
+            <a:pPr algn="ctr"/>
+            <a:endParaRPr lang="es-ES"/>
+          </a:p>
+        </p:txBody>
+      </p:sp>
+      <p:sp>
+        <p:nvSpPr>
+          <p:cNvPr id="39" name="Rectángulo 38"/>
+          <p:cNvSpPr/>
+          <p:nvPr/>
+        </p:nvSpPr>
+        <p:spPr>
+          <a:xfrm>
+            <a:off x="6642413" y="1423330"/>
+            <a:ext cx="2376264" cy="1285590"/>
+          </a:xfrm>
+          <a:prstGeom prst="rect">
+            <a:avLst/>
+          </a:prstGeom>
+        </p:spPr>
+        <p:style>
+          <a:lnRef idx="2">
+            <a:schemeClr val="accent1">
+              <a:shade val="50000"/>
+            </a:schemeClr>
+          </a:lnRef>
+          <a:fillRef idx="1">
+            <a:schemeClr val="accent1"/>
+          </a:fillRef>
+          <a:effectRef idx="0">
+            <a:schemeClr val="accent1"/>
+          </a:effectRef>
+          <a:fontRef idx="minor">
+            <a:schemeClr val="lt1"/>
+          </a:fontRef>
+        </p:style>
+        <p:txBody>
+          <a:bodyPr rtlCol="0" anchor="ctr"/>
+          <a:lstStyle/>
+          <a:p>
+            <a:pPr algn="ctr"/>
+            <a:r>
+              <a:rPr lang="es-ES" sz="1600" dirty="0" smtClean="0"/>
+              <a:t>Train </a:t>
+            </a:r>
+            <a:r>
+              <a:rPr lang="es-ES" sz="1600" dirty="0" err="1" smtClean="0"/>
+              <a:t>the</a:t>
+            </a:r>
+            <a:r>
+              <a:rPr lang="es-ES" sz="1600" dirty="0" smtClean="0"/>
+              <a:t> </a:t>
+            </a:r>
+            <a:r>
+              <a:rPr lang="es-ES" sz="1600" dirty="0" err="1" smtClean="0"/>
+              <a:t>classifier</a:t>
+            </a:r>
+            <a:endParaRPr lang="es-ES" sz="1600" dirty="0"/>
+          </a:p>
+        </p:txBody>
+      </p:sp>
+      <p:sp>
+        <p:nvSpPr>
+          <p:cNvPr id="6" name="Rectángulo 5"/>
+          <p:cNvSpPr/>
+          <p:nvPr/>
+        </p:nvSpPr>
+        <p:spPr>
+          <a:xfrm>
+            <a:off x="302769" y="4941168"/>
+            <a:ext cx="8715908" cy="1477328"/>
+          </a:xfrm>
+          <a:prstGeom prst="rect">
+            <a:avLst/>
+          </a:prstGeom>
+        </p:spPr>
+        <p:txBody>
+          <a:bodyPr wrap="square">
+            <a:spAutoFit/>
+          </a:bodyPr>
+          <a:lstStyle/>
+          <a:p>
+            <a:r>
+              <a:rPr lang="en-US" dirty="0"/>
+              <a:t>In </a:t>
+            </a:r>
+            <a:r>
+              <a:rPr lang="en-US" dirty="0" smtClean="0"/>
+              <a:t>this </a:t>
+            </a:r>
+            <a:r>
+              <a:rPr lang="en-US" dirty="0" smtClean="0">
+                <a:hlinkClick r:id="rId4"/>
+              </a:rPr>
+              <a:t>example</a:t>
+            </a:r>
+            <a:r>
+              <a:rPr lang="en-US" dirty="0" smtClean="0"/>
+              <a:t>, </a:t>
+            </a:r>
+            <a:r>
+              <a:rPr lang="en-US" dirty="0"/>
+              <a:t>we have performed a minimal example using both pandas and </a:t>
+            </a:r>
+            <a:r>
+              <a:rPr lang="en-US" dirty="0" err="1"/>
+              <a:t>scikit</a:t>
+            </a:r>
+            <a:r>
+              <a:rPr lang="en-US" dirty="0"/>
+              <a:t>-learn to tackle a classification problem</a:t>
+            </a:r>
+            <a:r>
+              <a:rPr lang="en-US" dirty="0" smtClean="0"/>
+              <a:t>.</a:t>
+            </a:r>
+            <a:endParaRPr lang="en-US" dirty="0"/>
+          </a:p>
+          <a:p>
+            <a:r>
+              <a:rPr lang="en-US" dirty="0"/>
+              <a:t>Note also that we have only trained the classifier but other points are missing (e.g. making predictions using the trained model, measuring the performance, model </a:t>
+            </a:r>
+            <a:r>
+              <a:rPr lang="en-US" dirty="0" smtClean="0"/>
+              <a:t>persistence</a:t>
+            </a:r>
+            <a:r>
+              <a:rPr lang="en-US" dirty="0"/>
+              <a:t>,...). See this notebook, where aforementioned topics are covered using also this dataset.</a:t>
+            </a:r>
+            <a:endParaRPr lang="es-ES" dirty="0"/>
+          </a:p>
+        </p:txBody>
+      </p:sp>
+    </p:spTree>
+    <p:extLst>
+      <p:ext uri="{BB962C8B-B14F-4D97-AF65-F5344CB8AC3E}">
+        <p14:creationId xmlns:p14="http://schemas.microsoft.com/office/powerpoint/2010/main" val="3496589495"/>
+      </p:ext>
+    </p:extLst>
+  </p:cSld>
+  <p:clrMapOvr>
+    <a:masterClrMapping/>
+  </p:clrMapOvr>
+  <p:timing>
+    <p:tnLst>
+      <p:par>
+        <p:cTn id="1" dur="indefinite" restart="never" nodeType="tmRoot"/>
+      </p:par>
+    </p:tnLst>
+  </p:timing>
+</p:sld>
+</file>
+
+<file path=ppt/slides/slide8.xml><?xml version="1.0" encoding="utf-8"?>
+<p:sld xmlns:a="http://schemas.openxmlformats.org/drawingml/2006/main" xmlns:r="http://schemas.openxmlformats.org/officeDocument/2006/relationships" xmlns:p="http://schemas.openxmlformats.org/presentationml/2006/main">
+  <p:cSld>
+    <p:spTree>
+      <p:nvGrpSpPr>
+        <p:cNvPr id="1" name=""/>
+        <p:cNvGrpSpPr/>
+        <p:nvPr/>
+      </p:nvGrpSpPr>
+      <p:grpSpPr>
+        <a:xfrm>
+          <a:off x="0" y="0"/>
+          <a:ext cx="0" cy="0"/>
+          <a:chOff x="0" y="0"/>
+          <a:chExt cx="0" cy="0"/>
+        </a:xfrm>
+      </p:grpSpPr>
+      <p:sp>
+        <p:nvSpPr>
           <p:cNvPr id="5" name="Rectángulo 4"/>
           <p:cNvSpPr/>
           <p:nvPr/>
@@ -17335,8 +18015,8 @@
         </p:nvSpPr>
         <p:spPr>
           <a:xfrm>
-            <a:off x="1371600" y="2656102"/>
-            <a:ext cx="5040560" cy="461665"/>
+            <a:off x="1391274" y="2400210"/>
+            <a:ext cx="6147287" cy="830997"/>
           </a:xfrm>
           <a:prstGeom prst="rect">
             <a:avLst/>
@@ -17363,15 +18043,65 @@
                   <a:schemeClr val="bg1"/>
                 </a:solidFill>
               </a:rPr>
-              <a:t> to </a:t>
-            </a:r>
-            <a:r>
-              <a:rPr lang="es-ES" sz="2400" dirty="0" smtClean="0">
+              <a:t> to pandas </a:t>
+            </a:r>
+          </a:p>
+          <a:p>
+            <a:r>
+              <a:rPr lang="es-ES" sz="2400" dirty="0" err="1">
                 <a:solidFill>
                   <a:schemeClr val="bg1"/>
                 </a:solidFill>
               </a:rPr>
-              <a:t>pandas</a:t>
+              <a:t>Minimal</a:t>
+            </a:r>
+            <a:r>
+              <a:rPr lang="es-ES" sz="2400" dirty="0">
+                <a:solidFill>
+                  <a:schemeClr val="bg1"/>
+                </a:solidFill>
+              </a:rPr>
+              <a:t> </a:t>
+            </a:r>
+            <a:r>
+              <a:rPr lang="es-ES" sz="2400" dirty="0" err="1">
+                <a:solidFill>
+                  <a:schemeClr val="bg1"/>
+                </a:solidFill>
+              </a:rPr>
+              <a:t>example</a:t>
+            </a:r>
+            <a:r>
+              <a:rPr lang="es-ES" sz="2400" dirty="0">
+                <a:solidFill>
+                  <a:schemeClr val="bg1"/>
+                </a:solidFill>
+              </a:rPr>
+              <a:t> </a:t>
+            </a:r>
+            <a:r>
+              <a:rPr lang="es-ES" sz="2400" dirty="0" err="1">
+                <a:solidFill>
+                  <a:schemeClr val="bg1"/>
+                </a:solidFill>
+              </a:rPr>
+              <a:t>with</a:t>
+            </a:r>
+            <a:r>
+              <a:rPr lang="es-ES" sz="2400" dirty="0">
+                <a:solidFill>
+                  <a:schemeClr val="bg1"/>
+                </a:solidFill>
+              </a:rPr>
+              <a:t> pandas and </a:t>
+            </a:r>
+            <a:r>
+              <a:rPr lang="es-ES" sz="2400" dirty="0" err="1">
+                <a:solidFill>
+                  <a:schemeClr val="bg1"/>
+                </a:solidFill>
+              </a:rPr>
+              <a:t>scikit-learn</a:t>
             </a:r>
             <a:endParaRPr lang="en-GB" sz="2400" dirty="0">
               <a:solidFill>
@@ -17383,7 +18113,7 @@
       </p:sp>
       <p:pic>
         <p:nvPicPr>
-          <p:cNvPr id="7" name="Imagen 6"/>
+          <p:cNvPr id="9" name="Imagen 8"/>
           <p:cNvPicPr>
             <a:picLocks noChangeAspect="1"/>
           </p:cNvPicPr>
@@ -17403,8 +18133,38 @@
         </p:blipFill>
         <p:spPr>
           <a:xfrm>
-            <a:off x="7690962" y="1297775"/>
-            <a:ext cx="1453038" cy="1937384"/>
+            <a:off x="7956135" y="1375730"/>
+            <a:ext cx="1220377" cy="1627169"/>
+          </a:xfrm>
+          <a:prstGeom prst="rect">
+            <a:avLst/>
+          </a:prstGeom>
+        </p:spPr>
+      </p:pic>
+      <p:pic>
+        <p:nvPicPr>
+          <p:cNvPr id="11" name="Imagen 10"/>
+          <p:cNvPicPr>
+            <a:picLocks noChangeAspect="1"/>
+          </p:cNvPicPr>
+          <p:nvPr/>
+        </p:nvPicPr>
+        <p:blipFill>
+          <a:blip r:embed="rId5" cstate="print">
+            <a:extLst>
+              <a:ext uri="{28A0092B-C50C-407E-A947-70E740481C1C}">
+                <a14:useLocalDpi xmlns:a14="http://schemas.microsoft.com/office/drawing/2010/main" val="0"/>
+              </a:ext>
+            </a:extLst>
+          </a:blip>
+          <a:stretch>
+            <a:fillRect/>
+          </a:stretch>
+        </p:blipFill>
+        <p:spPr>
+          <a:xfrm>
+            <a:off x="5773149" y="1594443"/>
+            <a:ext cx="2041721" cy="1099127"/>
           </a:xfrm>
           <a:prstGeom prst="rect">
             <a:avLst/>
